--- a/gilbert/images/matrixMultiplication.pptx
+++ b/gilbert/images/matrixMultiplication.pptx
@@ -3136,7 +3136,7 @@
           <p:nvPr>
             <p:extLst>
               <p:ext uri="{D42A27DB-BD31-4B8C-83A1-F6EECF244321}">
-                <p14:modId xmlns:p14="http://schemas.microsoft.com/office/powerpoint/2010/main" val="1325091121"/>
+                <p14:modId xmlns:p14="http://schemas.microsoft.com/office/powerpoint/2010/main" val="2918226222"/>
               </p:ext>
             </p:extLst>
           </p:nvPr>
@@ -3149,7 +3149,7 @@
           <a:graphicData uri="http://schemas.openxmlformats.org/presentationml/2006/ole">
             <mc:AlternateContent xmlns:mc="http://schemas.openxmlformats.org/markup-compatibility/2006">
               <mc:Choice xmlns:v="urn:schemas-microsoft-com:vml" Requires="v">
-                <p:oleObj spid="_x0000_s1114" name="Equation" r:id="rId3" imgW="2222500" imgH="292100" progId="Equation.3">
+                <p:oleObj spid="_x0000_s1126" name="Equation" r:id="rId3" imgW="2222500" imgH="292100" progId="Equation.3">
                   <p:embed/>
                 </p:oleObj>
               </mc:Choice>
@@ -3306,7 +3306,7 @@
           <p:nvPr>
             <p:extLst>
               <p:ext uri="{D42A27DB-BD31-4B8C-83A1-F6EECF244321}">
-                <p14:modId xmlns:p14="http://schemas.microsoft.com/office/powerpoint/2010/main" val="1199317852"/>
+                <p14:modId xmlns:p14="http://schemas.microsoft.com/office/powerpoint/2010/main" val="3224658787"/>
               </p:ext>
             </p:extLst>
           </p:nvPr>
@@ -3319,7 +3319,7 @@
           <a:graphicData uri="http://schemas.openxmlformats.org/presentationml/2006/ole">
             <mc:AlternateContent xmlns:mc="http://schemas.openxmlformats.org/markup-compatibility/2006">
               <mc:Choice xmlns:v="urn:schemas-microsoft-com:vml" Requires="v">
-                <p:oleObj spid="_x0000_s1115" name="Equation" r:id="rId5" imgW="2120900" imgH="279400" progId="Equation.3">
+                <p:oleObj spid="_x0000_s1127" name="Equation" r:id="rId5" imgW="2120900" imgH="279400" progId="Equation.3">
                   <p:embed/>
                 </p:oleObj>
               </mc:Choice>
@@ -3399,7 +3399,7 @@
           <a:p>
             <a:pPr algn="ctr"/>
             <a:r>
-              <a:rPr lang="de-DE" sz="2200" b="1">
+              <a:rPr lang="de-DE" sz="2200" b="1" dirty="0" err="1">
                 <a:solidFill>
                   <a:schemeClr val="tx1"/>
                 </a:solidFill>
@@ -3407,7 +3407,7 @@
               <a:t>m</a:t>
             </a:r>
             <a:r>
-              <a:rPr lang="de-DE" sz="2200" b="1" smtClean="0">
+              <a:rPr lang="de-DE" sz="2200" b="1" dirty="0" err="1" smtClean="0">
                 <a:solidFill>
                   <a:schemeClr val="tx1"/>
                 </a:solidFill>
@@ -3476,7 +3476,7 @@
           <p:nvPr>
             <p:extLst>
               <p:ext uri="{D42A27DB-BD31-4B8C-83A1-F6EECF244321}">
-                <p14:modId xmlns:p14="http://schemas.microsoft.com/office/powerpoint/2010/main" val="4288969322"/>
+                <p14:modId xmlns:p14="http://schemas.microsoft.com/office/powerpoint/2010/main" val="1428050830"/>
               </p:ext>
             </p:extLst>
           </p:nvPr>
@@ -3489,7 +3489,7 @@
           <a:graphicData uri="http://schemas.openxmlformats.org/presentationml/2006/ole">
             <mc:AlternateContent xmlns:mc="http://schemas.openxmlformats.org/markup-compatibility/2006">
               <mc:Choice xmlns:v="urn:schemas-microsoft-com:vml" Requires="v">
-                <p:oleObj spid="_x0000_s1116" name="Equation" r:id="rId7" imgW="2120900" imgH="279400" progId="Equation.3">
+                <p:oleObj spid="_x0000_s1128" name="Equation" r:id="rId7" imgW="2120900" imgH="279400" progId="Equation.3">
                   <p:embed/>
                 </p:oleObj>
               </mc:Choice>
@@ -3848,7 +3848,7 @@
           <p:nvPr>
             <p:extLst>
               <p:ext uri="{D42A27DB-BD31-4B8C-83A1-F6EECF244321}">
-                <p14:modId xmlns:p14="http://schemas.microsoft.com/office/powerpoint/2010/main" val="3974319331"/>
+                <p14:modId xmlns:p14="http://schemas.microsoft.com/office/powerpoint/2010/main" val="1365057568"/>
               </p:ext>
             </p:extLst>
           </p:nvPr>
@@ -3861,7 +3861,7 @@
           <a:graphicData uri="http://schemas.openxmlformats.org/presentationml/2006/ole">
             <mc:AlternateContent xmlns:mc="http://schemas.openxmlformats.org/markup-compatibility/2006">
               <mc:Choice xmlns:v="urn:schemas-microsoft-com:vml" Requires="v">
-                <p:oleObj spid="_x0000_s1117" name="Equation" r:id="rId8" imgW="3060700" imgH="330200" progId="Equation.3">
+                <p:oleObj spid="_x0000_s1129" name="Equation" r:id="rId8" imgW="3060700" imgH="330200" progId="Equation.3">
                   <p:embed/>
                 </p:oleObj>
               </mc:Choice>
@@ -3905,7 +3905,7 @@
           <p:nvPr>
             <p:extLst>
               <p:ext uri="{D42A27DB-BD31-4B8C-83A1-F6EECF244321}">
-                <p14:modId xmlns:p14="http://schemas.microsoft.com/office/powerpoint/2010/main" val="3838503919"/>
+                <p14:modId xmlns:p14="http://schemas.microsoft.com/office/powerpoint/2010/main" val="1597701738"/>
               </p:ext>
             </p:extLst>
           </p:nvPr>
@@ -3918,7 +3918,7 @@
           <a:graphicData uri="http://schemas.openxmlformats.org/presentationml/2006/ole">
             <mc:AlternateContent xmlns:mc="http://schemas.openxmlformats.org/markup-compatibility/2006">
               <mc:Choice xmlns:v="urn:schemas-microsoft-com:vml" Requires="v">
-                <p:oleObj spid="_x0000_s1118" name="Equation" r:id="rId10" imgW="1498600" imgH="330200" progId="Equation.3">
+                <p:oleObj spid="_x0000_s1130" name="Equation" r:id="rId10" imgW="1498600" imgH="330200" progId="Equation.3">
                   <p:embed/>
                 </p:oleObj>
               </mc:Choice>
@@ -3962,7 +3962,7 @@
           <p:nvPr>
             <p:extLst>
               <p:ext uri="{D42A27DB-BD31-4B8C-83A1-F6EECF244321}">
-                <p14:modId xmlns:p14="http://schemas.microsoft.com/office/powerpoint/2010/main" val="3240671557"/>
+                <p14:modId xmlns:p14="http://schemas.microsoft.com/office/powerpoint/2010/main" val="2374415150"/>
               </p:ext>
             </p:extLst>
           </p:nvPr>
@@ -3975,7 +3975,7 @@
           <a:graphicData uri="http://schemas.openxmlformats.org/presentationml/2006/ole">
             <mc:AlternateContent xmlns:mc="http://schemas.openxmlformats.org/markup-compatibility/2006">
               <mc:Choice xmlns:v="urn:schemas-microsoft-com:vml" Requires="v">
-                <p:oleObj spid="_x0000_s1119" name="Equation" r:id="rId12" imgW="2400300" imgH="685800" progId="Equation.3">
+                <p:oleObj spid="_x0000_s1131" name="Equation" r:id="rId12" imgW="2400300" imgH="685800" progId="Equation.3">
                   <p:embed/>
                 </p:oleObj>
               </mc:Choice>
